--- a/Day_1/Lectures/Slides/Day_1_Lecture_Intro.pptx
+++ b/Day_1/Lectures/Slides/Day_1_Lecture_Intro.pptx
@@ -211,7 +211,7 @@
           <a:p>
             <a:fld id="{C7A54013-F892-DE44-896E-D89BDDF144E6}" type="datetimeFigureOut">
               <a:rPr lang="en-US" smtClean="0"/>
-              <a:t>1/18/15</a:t>
+              <a:t>2/2/15</a:t>
             </a:fld>
             <a:endParaRPr lang="en-US"/>
           </a:p>
@@ -1462,7 +1462,7 @@
           <a:p>
             <a:fld id="{9D6228D5-5F93-BB4A-964B-203967C46295}" type="datetimeFigureOut">
               <a:rPr lang="en-US" smtClean="0"/>
-              <a:t>1/18/15</a:t>
+              <a:t>2/2/15</a:t>
             </a:fld>
             <a:endParaRPr lang="en-US"/>
           </a:p>
@@ -1632,7 +1632,7 @@
           <a:p>
             <a:fld id="{9D6228D5-5F93-BB4A-964B-203967C46295}" type="datetimeFigureOut">
               <a:rPr lang="en-US" smtClean="0"/>
-              <a:t>1/18/15</a:t>
+              <a:t>2/2/15</a:t>
             </a:fld>
             <a:endParaRPr lang="en-US"/>
           </a:p>
@@ -1812,7 +1812,7 @@
           <a:p>
             <a:fld id="{9D6228D5-5F93-BB4A-964B-203967C46295}" type="datetimeFigureOut">
               <a:rPr lang="en-US" smtClean="0"/>
-              <a:t>1/18/15</a:t>
+              <a:t>2/2/15</a:t>
             </a:fld>
             <a:endParaRPr lang="en-US"/>
           </a:p>
@@ -1982,7 +1982,7 @@
           <a:p>
             <a:fld id="{9D6228D5-5F93-BB4A-964B-203967C46295}" type="datetimeFigureOut">
               <a:rPr lang="en-US" smtClean="0"/>
-              <a:t>1/18/15</a:t>
+              <a:t>2/2/15</a:t>
             </a:fld>
             <a:endParaRPr lang="en-US"/>
           </a:p>
@@ -2228,7 +2228,7 @@
           <a:p>
             <a:fld id="{9D6228D5-5F93-BB4A-964B-203967C46295}" type="datetimeFigureOut">
               <a:rPr lang="en-US" smtClean="0"/>
-              <a:t>1/18/15</a:t>
+              <a:t>2/2/15</a:t>
             </a:fld>
             <a:endParaRPr lang="en-US"/>
           </a:p>
@@ -2516,7 +2516,7 @@
           <a:p>
             <a:fld id="{9D6228D5-5F93-BB4A-964B-203967C46295}" type="datetimeFigureOut">
               <a:rPr lang="en-US" smtClean="0"/>
-              <a:t>1/18/15</a:t>
+              <a:t>2/2/15</a:t>
             </a:fld>
             <a:endParaRPr lang="en-US"/>
           </a:p>
@@ -2938,7 +2938,7 @@
           <a:p>
             <a:fld id="{9D6228D5-5F93-BB4A-964B-203967C46295}" type="datetimeFigureOut">
               <a:rPr lang="en-US" smtClean="0"/>
-              <a:t>1/18/15</a:t>
+              <a:t>2/2/15</a:t>
             </a:fld>
             <a:endParaRPr lang="en-US"/>
           </a:p>
@@ -3056,7 +3056,7 @@
           <a:p>
             <a:fld id="{9D6228D5-5F93-BB4A-964B-203967C46295}" type="datetimeFigureOut">
               <a:rPr lang="en-US" smtClean="0"/>
-              <a:t>1/18/15</a:t>
+              <a:t>2/2/15</a:t>
             </a:fld>
             <a:endParaRPr lang="en-US"/>
           </a:p>
@@ -3151,7 +3151,7 @@
           <a:p>
             <a:fld id="{9D6228D5-5F93-BB4A-964B-203967C46295}" type="datetimeFigureOut">
               <a:rPr lang="en-US" smtClean="0"/>
-              <a:t>1/18/15</a:t>
+              <a:t>2/2/15</a:t>
             </a:fld>
             <a:endParaRPr lang="en-US"/>
           </a:p>
@@ -3428,7 +3428,7 @@
           <a:p>
             <a:fld id="{9D6228D5-5F93-BB4A-964B-203967C46295}" type="datetimeFigureOut">
               <a:rPr lang="en-US" smtClean="0"/>
-              <a:t>1/18/15</a:t>
+              <a:t>2/2/15</a:t>
             </a:fld>
             <a:endParaRPr lang="en-US"/>
           </a:p>
@@ -3685,7 +3685,7 @@
           <a:p>
             <a:fld id="{9D6228D5-5F93-BB4A-964B-203967C46295}" type="datetimeFigureOut">
               <a:rPr lang="en-US" smtClean="0"/>
-              <a:t>1/18/15</a:t>
+              <a:t>2/2/15</a:t>
             </a:fld>
             <a:endParaRPr lang="en-US"/>
           </a:p>
@@ -3898,7 +3898,7 @@
           <a:p>
             <a:fld id="{9D6228D5-5F93-BB4A-964B-203967C46295}" type="datetimeFigureOut">
               <a:rPr lang="en-US" smtClean="0"/>
-              <a:t>1/18/15</a:t>
+              <a:t>2/2/15</a:t>
             </a:fld>
             <a:endParaRPr lang="en-US"/>
           </a:p>
@@ -4773,9 +4773,16 @@
             <p:ph idx="1"/>
           </p:nvPr>
         </p:nvSpPr>
-        <p:spPr/>
-        <p:txBody>
-          <a:bodyPr/>
+        <p:spPr>
+          <a:xfrm>
+            <a:off x="457200" y="1600200"/>
+            <a:ext cx="8229600" cy="3850217"/>
+          </a:xfrm>
+        </p:spPr>
+        <p:txBody>
+          <a:bodyPr>
+            <a:normAutofit fontScale="92500" lnSpcReduction="10000"/>
+          </a:bodyPr>
           <a:lstStyle/>
           <a:p>
             <a:pPr marL="0" indent="0">
@@ -4783,7 +4790,15 @@
             </a:pPr>
             <a:r>
               <a:rPr lang="en-US" dirty="0" smtClean="0"/>
-              <a:t>… are the starting point of arguments about and within a community. </a:t>
+              <a:t>… are the starting point of </a:t>
+            </a:r>
+            <a:r>
+              <a:rPr lang="en-US" dirty="0" smtClean="0"/>
+              <a:t>argumentation within </a:t>
+            </a:r>
+            <a:r>
+              <a:rPr lang="en-US" dirty="0" smtClean="0"/>
+              <a:t>a community. </a:t>
             </a:r>
           </a:p>
           <a:p>
@@ -4806,7 +4821,23 @@
             </a:r>
             <a:r>
               <a:rPr lang="en-US" dirty="0" smtClean="0"/>
-              <a:t>that are closely linked to their production ( </a:t>
+              <a:t>that are closely linked to their production </a:t>
+            </a:r>
+            <a:endParaRPr lang="en-US" dirty="0" smtClean="0"/>
+          </a:p>
+          <a:p>
+            <a:pPr marL="0" indent="0">
+              <a:buNone/>
+            </a:pPr>
+            <a:endParaRPr lang="en-US" dirty="0" smtClean="0"/>
+          </a:p>
+          <a:p>
+            <a:pPr marL="0" indent="0">
+              <a:buNone/>
+            </a:pPr>
+            <a:r>
+              <a:rPr lang="en-US" dirty="0" smtClean="0"/>
+              <a:t>( </a:t>
             </a:r>
             <a:r>
               <a:rPr lang="en-US" i="1" dirty="0" smtClean="0"/>
@@ -4814,7 +4845,19 @@
             </a:r>
             <a:r>
               <a:rPr lang="en-US" dirty="0" smtClean="0"/>
-              <a:t> they were transcribed, </a:t>
+              <a:t> </a:t>
+            </a:r>
+            <a:r>
+              <a:rPr lang="en-US" dirty="0" smtClean="0"/>
+              <a:t>texts</a:t>
+            </a:r>
+            <a:r>
+              <a:rPr lang="en-US" dirty="0" smtClean="0"/>
+              <a:t> </a:t>
+            </a:r>
+            <a:r>
+              <a:rPr lang="en-US" dirty="0" smtClean="0"/>
+              <a:t>were transcribed, </a:t>
             </a:r>
             <a:r>
               <a:rPr lang="en-US" i="1" dirty="0" smtClean="0"/>
@@ -5117,19 +5160,7 @@
             </a:pPr>
             <a:r>
               <a:rPr lang="en-US" dirty="0" smtClean="0"/>
-              <a:t>And in a scholarly community, data play </a:t>
-            </a:r>
-            <a:r>
-              <a:rPr lang="en-US" dirty="0" smtClean="0"/>
-              <a:t>an evidentiary </a:t>
-            </a:r>
-            <a:r>
-              <a:rPr lang="en-US" dirty="0" smtClean="0"/>
-              <a:t>role that supports the production of new </a:t>
-            </a:r>
-            <a:r>
-              <a:rPr lang="en-US" dirty="0" smtClean="0"/>
-              <a:t>knowledge.</a:t>
+              <a:t>And in a scholarly community, data play an evidentiary role that supports the production of new knowledge.</a:t>
             </a:r>
             <a:endParaRPr lang="en-US" dirty="0"/>
           </a:p>
@@ -5862,6 +5893,10 @@
               <a:buNone/>
             </a:pPr>
             <a:r>
+              <a:rPr lang="en-US" sz="2400" b="1" dirty="0" smtClean="0"/>
+              <a:t>Early: </a:t>
+            </a:r>
+            <a:r>
               <a:rPr lang="en-US" sz="2400" dirty="0" smtClean="0"/>
               <a:t>Build </a:t>
             </a:r>
@@ -5897,8 +5932,16 @@
               <a:buNone/>
             </a:pPr>
             <a:r>
+              <a:rPr lang="en-US" sz="2400" b="1" dirty="0" smtClean="0"/>
+              <a:t>Emerging: </a:t>
+            </a:r>
+            <a:r>
               <a:rPr lang="en-US" sz="2400" dirty="0" smtClean="0"/>
-              <a:t>Ensuring data </a:t>
+              <a:t>Ensuring </a:t>
+            </a:r>
+            <a:r>
+              <a:rPr lang="en-US" sz="2400" dirty="0" smtClean="0"/>
+              <a:t>data </a:t>
             </a:r>
             <a:r>
               <a:rPr lang="en-US" sz="2400" dirty="0"/>
@@ -5914,7 +5957,11 @@
             </a:r>
             <a:r>
               <a:rPr lang="en-US" sz="2400" dirty="0" smtClean="0"/>
-              <a:t>tools necessary for long-term reuse. </a:t>
+              <a:t>tools (software) </a:t>
+            </a:r>
+            <a:r>
+              <a:rPr lang="en-US" sz="2400" dirty="0" smtClean="0"/>
+              <a:t>necessary for long-term reuse. </a:t>
             </a:r>
             <a:endParaRPr lang="en-US" sz="2400" dirty="0"/>
           </a:p>
@@ -6001,11 +6048,7 @@
           <a:p>
             <a:r>
               <a:rPr lang="en-US" dirty="0" smtClean="0"/>
-              <a:t>Archives </a:t>
-            </a:r>
-            <a:r>
-              <a:rPr lang="en-US" dirty="0" smtClean="0"/>
-              <a:t>and records management concepts</a:t>
+              <a:t>Archives and records management concepts</a:t>
             </a:r>
           </a:p>
           <a:p>
@@ -6019,7 +6062,6 @@
               <a:rPr lang="en-US" dirty="0" smtClean="0"/>
               <a:t>Identifier schemes</a:t>
             </a:r>
-            <a:endParaRPr lang="en-US" dirty="0" smtClean="0"/>
           </a:p>
           <a:p>
             <a:r>
@@ -6030,10 +6072,7 @@
               <a:rPr lang="en-US" dirty="0" smtClean="0"/>
               <a:t>publication</a:t>
             </a:r>
-            <a:r>
-              <a:rPr lang="en-US" dirty="0" smtClean="0"/>
-              <a:t>, and linked data </a:t>
-            </a:r>
+            <a:endParaRPr lang="en-US" dirty="0" smtClean="0"/>
           </a:p>
         </p:txBody>
       </p:sp>
@@ -6119,12 +6158,24 @@
               <a:t>curation is the active and ongoing management of data throughout its entire lifecycle of interest and usefulness to scholarship, including it's reuse in </a:t>
             </a:r>
             <a:r>
-              <a:rPr lang="en-US" i="1" dirty="0"/>
+              <a:rPr lang="en-US" dirty="0"/>
+              <a:t> </a:t>
+            </a:r>
+            <a:r>
+              <a:rPr lang="en-US" dirty="0" smtClean="0"/>
+              <a:t> </a:t>
+            </a:r>
+            <a:r>
+              <a:rPr lang="en-US" b="1" dirty="0" smtClean="0"/>
               <a:t>unanticipated </a:t>
             </a:r>
             <a:r>
+              <a:rPr lang="en-US" b="1" dirty="0" smtClean="0"/>
+              <a:t>contexts</a:t>
+            </a:r>
+            <a:r>
               <a:rPr lang="en-US" i="1" dirty="0" smtClean="0"/>
-              <a:t>contexts.</a:t>
+              <a:t>.</a:t>
             </a:r>
           </a:p>
           <a:p>
@@ -6245,7 +6296,6 @@
               <a:rPr lang="en-US" dirty="0" smtClean="0"/>
               <a:t>Scoping research data curation </a:t>
             </a:r>
-            <a:endParaRPr lang="en-US" dirty="0" smtClean="0"/>
           </a:p>
           <a:p>
             <a:r>
@@ -6258,13 +6308,6 @@
               </a:rPr>
               <a:t>Archives and records management concepts</a:t>
             </a:r>
-            <a:endParaRPr lang="en-US" dirty="0" smtClean="0">
-              <a:solidFill>
-                <a:schemeClr val="bg1">
-                  <a:lumMod val="85000"/>
-                </a:schemeClr>
-              </a:solidFill>
-            </a:endParaRPr>
           </a:p>
           <a:p>
             <a:r>
@@ -6299,8 +6342,25 @@
                   </a:schemeClr>
                 </a:solidFill>
               </a:rPr>
-              <a:t>Data publication, and linked data </a:t>
-            </a:r>
+              <a:t>Data </a:t>
+            </a:r>
+            <a:r>
+              <a:rPr lang="en-US" dirty="0" smtClean="0">
+                <a:solidFill>
+                  <a:schemeClr val="bg1">
+                    <a:lumMod val="85000"/>
+                  </a:schemeClr>
+                </a:solidFill>
+              </a:rPr>
+              <a:t>publication</a:t>
+            </a:r>
+            <a:endParaRPr lang="en-US" dirty="0">
+              <a:solidFill>
+                <a:schemeClr val="bg1">
+                  <a:lumMod val="85000"/>
+                </a:schemeClr>
+              </a:solidFill>
+            </a:endParaRPr>
           </a:p>
           <a:p>
             <a:pPr marL="0" indent="0">
